--- a/PythonBootCamp/SlideShow/Section02-PythonSetup/08-CoureseMaterial.pptx
+++ b/PythonBootCamp/SlideShow/Section02-PythonSetup/08-CoureseMaterial.pptx
@@ -108,6 +108,11 @@
       </a:defRPr>
     </a:lvl9pPr>
   </p:defaultTextStyle>
+  <p:extLst>
+    <p:ext uri="{EFAFB233-063F-42B5-8137-9DF3F51BA10A}">
+      <p15:sldGuideLst xmlns:p15="http://schemas.microsoft.com/office/powerpoint/2012/main"/>
+    </p:ext>
+  </p:extLst>
 </p:presentation>
 </file>
 
@@ -193,7 +198,7 @@
           <a:p>
             <a:fld id="{DB71733A-D618-FE4E-B736-E8F370E3E0B8}" type="datetimeFigureOut">
               <a:rPr lang="en-US" smtClean="0"/>
-              <a:t>6/24/24</a:t>
+              <a:t>7/23/24</a:t>
             </a:fld>
             <a:endParaRPr lang="en-US"/>
           </a:p>
@@ -815,7 +820,7 @@
           <a:p>
             <a:fld id="{16F29983-D3BC-5B42-8EAD-FA102AAB4485}" type="datetimeFigureOut">
               <a:rPr lang="en-US" smtClean="0"/>
-              <a:t>6/24/24</a:t>
+              <a:t>7/23/24</a:t>
             </a:fld>
             <a:endParaRPr lang="en-US"/>
           </a:p>
@@ -1013,7 +1018,7 @@
           <a:p>
             <a:fld id="{16F29983-D3BC-5B42-8EAD-FA102AAB4485}" type="datetimeFigureOut">
               <a:rPr lang="en-US" smtClean="0"/>
-              <a:t>6/24/24</a:t>
+              <a:t>7/23/24</a:t>
             </a:fld>
             <a:endParaRPr lang="en-US"/>
           </a:p>
@@ -1221,7 +1226,7 @@
           <a:p>
             <a:fld id="{16F29983-D3BC-5B42-8EAD-FA102AAB4485}" type="datetimeFigureOut">
               <a:rPr lang="en-US" smtClean="0"/>
-              <a:t>6/24/24</a:t>
+              <a:t>7/23/24</a:t>
             </a:fld>
             <a:endParaRPr lang="en-US"/>
           </a:p>
@@ -1778,7 +1783,7 @@
           <a:p>
             <a:fld id="{16F29983-D3BC-5B42-8EAD-FA102AAB4485}" type="datetimeFigureOut">
               <a:rPr lang="en-US" smtClean="0"/>
-              <a:t>6/24/24</a:t>
+              <a:t>7/23/24</a:t>
             </a:fld>
             <a:endParaRPr lang="en-US"/>
           </a:p>
@@ -2053,7 +2058,7 @@
           <a:p>
             <a:fld id="{16F29983-D3BC-5B42-8EAD-FA102AAB4485}" type="datetimeFigureOut">
               <a:rPr lang="en-US" smtClean="0"/>
-              <a:t>6/24/24</a:t>
+              <a:t>7/23/24</a:t>
             </a:fld>
             <a:endParaRPr lang="en-US"/>
           </a:p>
@@ -2318,7 +2323,7 @@
           <a:p>
             <a:fld id="{16F29983-D3BC-5B42-8EAD-FA102AAB4485}" type="datetimeFigureOut">
               <a:rPr lang="en-US" smtClean="0"/>
-              <a:t>6/24/24</a:t>
+              <a:t>7/23/24</a:t>
             </a:fld>
             <a:endParaRPr lang="en-US"/>
           </a:p>
@@ -2730,7 +2735,7 @@
           <a:p>
             <a:fld id="{16F29983-D3BC-5B42-8EAD-FA102AAB4485}" type="datetimeFigureOut">
               <a:rPr lang="en-US" smtClean="0"/>
-              <a:t>6/24/24</a:t>
+              <a:t>7/23/24</a:t>
             </a:fld>
             <a:endParaRPr lang="en-US"/>
           </a:p>
@@ -2871,7 +2876,7 @@
           <a:p>
             <a:fld id="{16F29983-D3BC-5B42-8EAD-FA102AAB4485}" type="datetimeFigureOut">
               <a:rPr lang="en-US" smtClean="0"/>
-              <a:t>6/24/24</a:t>
+              <a:t>7/23/24</a:t>
             </a:fld>
             <a:endParaRPr lang="en-US"/>
           </a:p>
@@ -2984,7 +2989,7 @@
           <a:p>
             <a:fld id="{16F29983-D3BC-5B42-8EAD-FA102AAB4485}" type="datetimeFigureOut">
               <a:rPr lang="en-US" smtClean="0"/>
-              <a:t>6/24/24</a:t>
+              <a:t>7/23/24</a:t>
             </a:fld>
             <a:endParaRPr lang="en-US"/>
           </a:p>
@@ -3295,7 +3300,7 @@
           <a:p>
             <a:fld id="{16F29983-D3BC-5B42-8EAD-FA102AAB4485}" type="datetimeFigureOut">
               <a:rPr lang="en-US" smtClean="0"/>
-              <a:t>6/24/24</a:t>
+              <a:t>7/23/24</a:t>
             </a:fld>
             <a:endParaRPr lang="en-US"/>
           </a:p>
@@ -3583,7 +3588,7 @@
           <a:p>
             <a:fld id="{16F29983-D3BC-5B42-8EAD-FA102AAB4485}" type="datetimeFigureOut">
               <a:rPr lang="en-US" smtClean="0"/>
-              <a:t>6/24/24</a:t>
+              <a:t>7/23/24</a:t>
             </a:fld>
             <a:endParaRPr lang="en-US"/>
           </a:p>
@@ -3824,7 +3829,7 @@
           <a:p>
             <a:fld id="{16F29983-D3BC-5B42-8EAD-FA102AAB4485}" type="datetimeFigureOut">
               <a:rPr lang="en-US" smtClean="0"/>
-              <a:t>6/24/24</a:t>
+              <a:t>7/23/24</a:t>
             </a:fld>
             <a:endParaRPr lang="en-US"/>
           </a:p>
@@ -4735,7 +4740,7 @@
         <p:spPr>
           <a:xfrm>
             <a:off x="1646363" y="5321367"/>
-            <a:ext cx="8638903" cy="369332"/>
+            <a:ext cx="8914620" cy="369332"/>
           </a:xfrm>
           <a:prstGeom prst="rect">
             <a:avLst/>
@@ -4761,7 +4766,7 @@
                 <a:cs typeface="Montserrat"/>
                 <a:sym typeface="Montserrat"/>
               </a:rPr>
-              <a:t>[SEE VIDEO FOR DEMO TO RUN PYTHON COURSE  NOTEBOOK JUPYTER]</a:t>
+              <a:t>[SEE VIDEO FOR DEMO TO RUN PYTHON COURSE IN NOTEBOOK JUPYTER]</a:t>
             </a:r>
           </a:p>
         </p:txBody>
